--- a/oops.pptx
+++ b/oops.pptx
@@ -29167,26 +29167,37 @@
       </p:pic>
       <p:pic>
         <p:nvPicPr>
-          <p:cNvPr id="13" name="Picture 12">
+          <p:cNvPr id="3" name="Graphic 2">
             <a:extLst>
               <a:ext uri="{FF2B5EF4-FFF2-40B4-BE49-F238E27FC236}">
-                <a16:creationId xmlns:a16="http://schemas.microsoft.com/office/drawing/2014/main" id="{92A96759-1B08-42E3-8442-E3605AD8501A}"/>
+                <a16:creationId xmlns:a16="http://schemas.microsoft.com/office/drawing/2014/main" id="{5011B8CC-5FC2-473D-8026-20A70E2671FF}"/>
               </a:ext>
             </a:extLst>
           </p:cNvPr>
-          <p:cNvPicPr/>
+          <p:cNvPicPr>
+            <a:picLocks noChangeAspect="1"/>
+          </p:cNvPicPr>
           <p:nvPr/>
         </p:nvPicPr>
         <p:blipFill>
-          <a:blip r:embed="rId3"/>
+          <a:blip r:embed="rId3">
+            <a:extLst>
+              <a:ext uri="{28A0092B-C50C-407E-A947-70E740481C1C}">
+                <a14:useLocalDpi xmlns:a14="http://schemas.microsoft.com/office/drawing/2010/main" val="0"/>
+              </a:ext>
+              <a:ext uri="{96DAC541-7B7A-43D3-8B79-37D633B846F1}">
+                <asvg:svgBlip xmlns:asvg="http://schemas.microsoft.com/office/drawing/2016/SVG/main" r:embed="rId4"/>
+              </a:ext>
+            </a:extLst>
+          </a:blip>
           <a:stretch>
             <a:fillRect/>
           </a:stretch>
         </p:blipFill>
         <p:spPr>
           <a:xfrm>
-            <a:off x="0" y="114300"/>
-            <a:ext cx="18287999" cy="10126980"/>
+            <a:off x="3048000" y="-110021"/>
+            <a:ext cx="11353800" cy="10507042"/>
           </a:xfrm>
           <a:prstGeom prst="rect">
             <a:avLst/>
